--- a/Prediction of Stock Market Prices.pptx
+++ b/Prediction of Stock Market Prices.pptx
@@ -7,7 +7,8 @@
   <p:sldIdLst>
     <p:sldId id="256" r:id="rId2"/>
     <p:sldId id="257" r:id="rId3"/>
-    <p:sldId id="258" r:id="rId4"/>
+    <p:sldId id="259" r:id="rId4"/>
+    <p:sldId id="258" r:id="rId5"/>
   </p:sldIdLst>
   <p:sldSz cx="9144000" cy="6858000" type="screen4x3"/>
   <p:notesSz cx="6858000" cy="9144000"/>
@@ -4121,17 +4122,39 @@
             </a:r>
             <a:r>
               <a:rPr lang="en-US" dirty="0" smtClean="0"/>
-              <a:t> of data, our gradients become too small or too large. </a:t>
-            </a:r>
-          </a:p>
-          <a:p>
+              <a:t> of data, our gradients become too </a:t>
+            </a:r>
+            <a:r>
+              <a:rPr lang="en-US" dirty="0" smtClean="0"/>
+              <a:t>small after </a:t>
+            </a:r>
+            <a:r>
+              <a:rPr lang="en-US" dirty="0" err="1" smtClean="0"/>
+              <a:t>Backpropagation</a:t>
+            </a:r>
+            <a:r>
+              <a:rPr lang="en-US" dirty="0" smtClean="0"/>
+              <a:t> algorithm. </a:t>
+            </a:r>
             <a:endParaRPr lang="en-US" dirty="0" smtClean="0"/>
           </a:p>
           <a:p>
+            <a:endParaRPr lang="en-US" dirty="0" smtClean="0"/>
+          </a:p>
+          <a:p>
             <a:r>
               <a:rPr lang="en-US" dirty="0" smtClean="0"/>
-              <a:t>LSTM solves this problem with internal memory.</a:t>
-            </a:r>
+              <a:t>LSTM solves this problem with internal </a:t>
+            </a:r>
+            <a:r>
+              <a:rPr lang="en-US" dirty="0" smtClean="0"/>
+              <a:t>memory, so it can memorize </a:t>
+            </a:r>
+            <a:r>
+              <a:rPr lang="en-US" dirty="0" smtClean="0"/>
+              <a:t>data for a long-term.</a:t>
+            </a:r>
+            <a:endParaRPr lang="en-US" dirty="0" smtClean="0"/>
           </a:p>
           <a:p>
             <a:endParaRPr lang="en-US" dirty="0" smtClean="0"/>
@@ -4172,7 +4195,6 @@
               <a:rPr lang="en-US" dirty="0" smtClean="0"/>
               <a:t> of being slower than RNN.</a:t>
             </a:r>
-            <a:endParaRPr lang="en-US" dirty="0" smtClean="0"/>
           </a:p>
         </p:txBody>
       </p:sp>
@@ -4185,6 +4207,233 @@
 </file>
 
 <file path=ppt/slides/slide3.xml><?xml version="1.0" encoding="utf-8"?>
+<p:sld xmlns:a="http://schemas.openxmlformats.org/drawingml/2006/main" xmlns:r="http://schemas.openxmlformats.org/officeDocument/2006/relationships" xmlns:p="http://schemas.openxmlformats.org/presentationml/2006/main">
+  <p:cSld>
+    <p:spTree>
+      <p:nvGrpSpPr>
+        <p:cNvPr id="1" name=""/>
+        <p:cNvGrpSpPr/>
+        <p:nvPr/>
+      </p:nvGrpSpPr>
+      <p:grpSpPr>
+        <a:xfrm>
+          <a:off x="0" y="0"/>
+          <a:ext cx="0" cy="0"/>
+          <a:chOff x="0" y="0"/>
+          <a:chExt cx="0" cy="0"/>
+        </a:xfrm>
+      </p:grpSpPr>
+      <p:sp>
+        <p:nvSpPr>
+          <p:cNvPr id="2" name="Title 1"/>
+          <p:cNvSpPr>
+            <a:spLocks noGrp="1"/>
+          </p:cNvSpPr>
+          <p:nvPr>
+            <p:ph type="title"/>
+          </p:nvPr>
+        </p:nvSpPr>
+        <p:spPr>
+          <a:xfrm>
+            <a:off x="228600" y="152400"/>
+            <a:ext cx="7772400" cy="1002792"/>
+          </a:xfrm>
+        </p:spPr>
+        <p:txBody>
+          <a:bodyPr/>
+          <a:lstStyle/>
+          <a:p>
+            <a:r>
+              <a:rPr lang="en-US" dirty="0" smtClean="0"/>
+              <a:t>Tools and libraries</a:t>
+            </a:r>
+            <a:endParaRPr lang="en-US" dirty="0"/>
+          </a:p>
+        </p:txBody>
+      </p:sp>
+      <p:sp>
+        <p:nvSpPr>
+          <p:cNvPr id="3" name="Text Placeholder 2"/>
+          <p:cNvSpPr>
+            <a:spLocks noGrp="1"/>
+          </p:cNvSpPr>
+          <p:nvPr>
+            <p:ph type="body" idx="1"/>
+          </p:nvPr>
+        </p:nvSpPr>
+        <p:spPr>
+          <a:xfrm>
+            <a:off x="530352" y="1295400"/>
+            <a:ext cx="7772400" cy="5105400"/>
+          </a:xfrm>
+        </p:spPr>
+        <p:txBody>
+          <a:bodyPr/>
+          <a:lstStyle/>
+          <a:p>
+            <a:pPr>
+              <a:buFontTx/>
+              <a:buChar char="-"/>
+            </a:pPr>
+            <a:r>
+              <a:rPr lang="en-US" b="1" dirty="0" smtClean="0">
+                <a:latin typeface="+mj-lt"/>
+              </a:rPr>
+              <a:t>Google </a:t>
+            </a:r>
+            <a:r>
+              <a:rPr lang="en-US" b="1" dirty="0" err="1" smtClean="0">
+                <a:latin typeface="+mj-lt"/>
+              </a:rPr>
+              <a:t>Colaboratory</a:t>
+            </a:r>
+            <a:r>
+              <a:rPr lang="en-US" b="1" dirty="0" smtClean="0">
+                <a:latin typeface="+mj-lt"/>
+              </a:rPr>
+              <a:t> </a:t>
+            </a:r>
+            <a:r>
+              <a:rPr lang="en-US" dirty="0" smtClean="0">
+                <a:latin typeface="+mj-lt"/>
+              </a:rPr>
+              <a:t>as development environment with GPUs  (</a:t>
+            </a:r>
+            <a:r>
+              <a:rPr lang="en-US" dirty="0" err="1" smtClean="0">
+                <a:latin typeface="+mj-lt"/>
+              </a:rPr>
+              <a:t>SaaS</a:t>
+            </a:r>
+            <a:r>
+              <a:rPr lang="en-US" dirty="0" smtClean="0">
+                <a:latin typeface="+mj-lt"/>
+              </a:rPr>
+              <a:t> + </a:t>
+            </a:r>
+            <a:r>
+              <a:rPr lang="en-US" dirty="0" err="1" smtClean="0">
+                <a:latin typeface="+mj-lt"/>
+              </a:rPr>
+              <a:t>IaaS</a:t>
+            </a:r>
+            <a:r>
+              <a:rPr lang="en-US" dirty="0" smtClean="0">
+                <a:latin typeface="+mj-lt"/>
+              </a:rPr>
+              <a:t>)</a:t>
+            </a:r>
+          </a:p>
+          <a:p>
+            <a:pPr>
+              <a:buFontTx/>
+              <a:buChar char="-"/>
+            </a:pPr>
+            <a:r>
+              <a:rPr lang="en-US" dirty="0" smtClean="0">
+                <a:latin typeface="+mj-lt"/>
+              </a:rPr>
+              <a:t>Programming language: Python 3.6</a:t>
+            </a:r>
+          </a:p>
+          <a:p>
+            <a:pPr>
+              <a:buFontTx/>
+              <a:buChar char="-"/>
+            </a:pPr>
+            <a:r>
+              <a:rPr lang="en-US" dirty="0" smtClean="0">
+                <a:latin typeface="+mj-lt"/>
+              </a:rPr>
+              <a:t>Libraries:</a:t>
+            </a:r>
+          </a:p>
+          <a:p>
+            <a:pPr>
+              <a:buFontTx/>
+              <a:buChar char="-"/>
+            </a:pPr>
+            <a:endParaRPr lang="en-US" dirty="0" smtClean="0"/>
+          </a:p>
+          <a:p>
+            <a:pPr>
+              <a:buFontTx/>
+              <a:buChar char="-"/>
+            </a:pPr>
+            <a:endParaRPr lang="en-US" dirty="0" smtClean="0"/>
+          </a:p>
+          <a:p>
+            <a:pPr>
+              <a:buFontTx/>
+              <a:buChar char="-"/>
+            </a:pPr>
+            <a:endParaRPr lang="en-US" dirty="0" smtClean="0"/>
+          </a:p>
+          <a:p>
+            <a:pPr>
+              <a:buFontTx/>
+              <a:buChar char="-"/>
+            </a:pPr>
+            <a:endParaRPr lang="en-US" dirty="0" smtClean="0"/>
+          </a:p>
+          <a:p>
+            <a:pPr>
+              <a:buFontTx/>
+              <a:buChar char="-"/>
+            </a:pPr>
+            <a:endParaRPr lang="en-US" dirty="0" smtClean="0"/>
+          </a:p>
+          <a:p>
+            <a:pPr>
+              <a:buFontTx/>
+              <a:buChar char="-"/>
+            </a:pPr>
+            <a:endParaRPr lang="en-US" dirty="0" smtClean="0"/>
+          </a:p>
+          <a:p>
+            <a:pPr>
+              <a:buFontTx/>
+              <a:buChar char="-"/>
+            </a:pPr>
+            <a:endParaRPr lang="en-US" dirty="0"/>
+          </a:p>
+        </p:txBody>
+      </p:sp>
+      <p:pic>
+        <p:nvPicPr>
+          <p:cNvPr id="1026" name="Picture 2" descr="C:\Users\Korisnik\Desktop\Untitled.jpg"/>
+          <p:cNvPicPr>
+            <a:picLocks noChangeAspect="1" noChangeArrowheads="1"/>
+          </p:cNvPicPr>
+          <p:nvPr/>
+        </p:nvPicPr>
+        <p:blipFill>
+          <a:blip r:embed="rId2" cstate="print"/>
+          <a:srcRect/>
+          <a:stretch>
+            <a:fillRect/>
+          </a:stretch>
+        </p:blipFill>
+        <p:spPr bwMode="auto">
+          <a:xfrm>
+            <a:off x="1905000" y="2590800"/>
+            <a:ext cx="4893578" cy="2667000"/>
+          </a:xfrm>
+          <a:prstGeom prst="rect">
+            <a:avLst/>
+          </a:prstGeom>
+          <a:noFill/>
+        </p:spPr>
+      </p:pic>
+    </p:spTree>
+  </p:cSld>
+  <p:clrMapOvr>
+    <a:masterClrMapping/>
+  </p:clrMapOvr>
+</p:sld>
+</file>
+
+<file path=ppt/slides/slide4.xml><?xml version="1.0" encoding="utf-8"?>
 <p:sld xmlns:a="http://schemas.openxmlformats.org/drawingml/2006/main" xmlns:r="http://schemas.openxmlformats.org/officeDocument/2006/relationships" xmlns:p="http://schemas.openxmlformats.org/presentationml/2006/main">
   <p:cSld>
     <p:spTree>

--- a/Prediction of Stock Market Prices.pptx
+++ b/Prediction of Stock Market Prices.pptx
@@ -8,7 +8,8 @@
     <p:sldId id="256" r:id="rId2"/>
     <p:sldId id="257" r:id="rId3"/>
     <p:sldId id="259" r:id="rId4"/>
-    <p:sldId id="258" r:id="rId5"/>
+    <p:sldId id="260" r:id="rId5"/>
+    <p:sldId id="258" r:id="rId6"/>
   </p:sldIdLst>
   <p:sldSz cx="9144000" cy="6858000" type="screen4x3"/>
   <p:notesSz cx="6858000" cy="9144000"/>
@@ -284,7 +285,7 @@
             <a:fld id="{1D8BD707-D9CF-40AE-B4C6-C98DA3205C09}" type="datetimeFigureOut">
               <a:rPr lang="en-US" smtClean="0"/>
               <a:pPr/>
-              <a:t>7/1/2019</a:t>
+              <a:t>7/2/2019</a:t>
             </a:fld>
             <a:endParaRPr lang="en-US"/>
           </a:p>
@@ -451,7 +452,7 @@
             <a:fld id="{1D8BD707-D9CF-40AE-B4C6-C98DA3205C09}" type="datetimeFigureOut">
               <a:rPr lang="en-US" smtClean="0"/>
               <a:pPr/>
-              <a:t>7/1/2019</a:t>
+              <a:t>7/2/2019</a:t>
             </a:fld>
             <a:endParaRPr lang="en-US"/>
           </a:p>
@@ -628,7 +629,7 @@
             <a:fld id="{1D8BD707-D9CF-40AE-B4C6-C98DA3205C09}" type="datetimeFigureOut">
               <a:rPr lang="en-US" smtClean="0"/>
               <a:pPr/>
-              <a:t>7/1/2019</a:t>
+              <a:t>7/2/2019</a:t>
             </a:fld>
             <a:endParaRPr lang="en-US"/>
           </a:p>
@@ -795,7 +796,7 @@
             <a:fld id="{1D8BD707-D9CF-40AE-B4C6-C98DA3205C09}" type="datetimeFigureOut">
               <a:rPr lang="en-US" smtClean="0"/>
               <a:pPr/>
-              <a:t>7/1/2019</a:t>
+              <a:t>7/2/2019</a:t>
             </a:fld>
             <a:endParaRPr lang="en-US"/>
           </a:p>
@@ -1039,7 +1040,7 @@
             <a:fld id="{1D8BD707-D9CF-40AE-B4C6-C98DA3205C09}" type="datetimeFigureOut">
               <a:rPr lang="en-US" smtClean="0"/>
               <a:pPr/>
-              <a:t>7/1/2019</a:t>
+              <a:t>7/2/2019</a:t>
             </a:fld>
             <a:endParaRPr lang="en-US"/>
           </a:p>
@@ -1305,7 +1306,7 @@
             <a:fld id="{1D8BD707-D9CF-40AE-B4C6-C98DA3205C09}" type="datetimeFigureOut">
               <a:rPr lang="en-US" smtClean="0"/>
               <a:pPr/>
-              <a:t>7/1/2019</a:t>
+              <a:t>7/2/2019</a:t>
             </a:fld>
             <a:endParaRPr lang="en-US"/>
           </a:p>
@@ -1685,7 +1686,7 @@
             <a:fld id="{1D8BD707-D9CF-40AE-B4C6-C98DA3205C09}" type="datetimeFigureOut">
               <a:rPr lang="en-US" smtClean="0"/>
               <a:pPr/>
-              <a:t>7/1/2019</a:t>
+              <a:t>7/2/2019</a:t>
             </a:fld>
             <a:endParaRPr lang="en-US"/>
           </a:p>
@@ -1837,7 +1838,7 @@
             <a:fld id="{1D8BD707-D9CF-40AE-B4C6-C98DA3205C09}" type="datetimeFigureOut">
               <a:rPr lang="en-US" smtClean="0"/>
               <a:pPr/>
-              <a:t>7/1/2019</a:t>
+              <a:t>7/2/2019</a:t>
             </a:fld>
             <a:endParaRPr lang="en-US"/>
           </a:p>
@@ -1929,7 +1930,7 @@
             <a:fld id="{1D8BD707-D9CF-40AE-B4C6-C98DA3205C09}" type="datetimeFigureOut">
               <a:rPr lang="en-US" smtClean="0"/>
               <a:pPr/>
-              <a:t>7/1/2019</a:t>
+              <a:t>7/2/2019</a:t>
             </a:fld>
             <a:endParaRPr lang="en-US"/>
           </a:p>
@@ -2192,7 +2193,7 @@
             <a:fld id="{1D8BD707-D9CF-40AE-B4C6-C98DA3205C09}" type="datetimeFigureOut">
               <a:rPr lang="en-US" smtClean="0"/>
               <a:pPr/>
-              <a:t>7/1/2019</a:t>
+              <a:t>7/2/2019</a:t>
             </a:fld>
             <a:endParaRPr lang="en-US"/>
           </a:p>
@@ -2482,7 +2483,7 @@
             <a:fld id="{1D8BD707-D9CF-40AE-B4C6-C98DA3205C09}" type="datetimeFigureOut">
               <a:rPr lang="en-US" smtClean="0"/>
               <a:pPr/>
-              <a:t>7/1/2019</a:t>
+              <a:t>7/2/2019</a:t>
             </a:fld>
             <a:endParaRPr lang="en-US"/>
           </a:p>
@@ -3255,7 +3256,7 @@
             <a:fld id="{1D8BD707-D9CF-40AE-B4C6-C98DA3205C09}" type="datetimeFigureOut">
               <a:rPr lang="en-US" smtClean="0"/>
               <a:pPr/>
-              <a:t>7/1/2019</a:t>
+              <a:t>7/2/2019</a:t>
             </a:fld>
             <a:endParaRPr lang="en-US"/>
           </a:p>
@@ -4122,11 +4123,7 @@
             </a:r>
             <a:r>
               <a:rPr lang="en-US" dirty="0" smtClean="0"/>
-              <a:t> of data, our gradients become too </a:t>
-            </a:r>
-            <a:r>
-              <a:rPr lang="en-US" dirty="0" smtClean="0"/>
-              <a:t>small after </a:t>
+              <a:t> of data, our gradients become too small after </a:t>
             </a:r>
             <a:r>
               <a:rPr lang="en-US" dirty="0" err="1" smtClean="0"/>
@@ -4136,25 +4133,15 @@
               <a:rPr lang="en-US" dirty="0" smtClean="0"/>
               <a:t> algorithm. </a:t>
             </a:r>
+          </a:p>
+          <a:p>
             <a:endParaRPr lang="en-US" dirty="0" smtClean="0"/>
           </a:p>
           <a:p>
-            <a:endParaRPr lang="en-US" dirty="0" smtClean="0"/>
-          </a:p>
-          <a:p>
             <a:r>
               <a:rPr lang="en-US" dirty="0" smtClean="0"/>
-              <a:t>LSTM solves this problem with internal </a:t>
-            </a:r>
-            <a:r>
-              <a:rPr lang="en-US" dirty="0" smtClean="0"/>
-              <a:t>memory, so it can memorize </a:t>
-            </a:r>
-            <a:r>
-              <a:rPr lang="en-US" dirty="0" smtClean="0"/>
-              <a:t>data for a long-term.</a:t>
-            </a:r>
-            <a:endParaRPr lang="en-US" dirty="0" smtClean="0"/>
+              <a:t>LSTM solves this problem with internal memory, so it can memorize data for a long-term.</a:t>
+            </a:r>
           </a:p>
           <a:p>
             <a:endParaRPr lang="en-US" dirty="0" smtClean="0"/>
@@ -4434,6 +4421,176 @@
 </file>
 
 <file path=ppt/slides/slide4.xml><?xml version="1.0" encoding="utf-8"?>
+<p:sld xmlns:a="http://schemas.openxmlformats.org/drawingml/2006/main" xmlns:r="http://schemas.openxmlformats.org/officeDocument/2006/relationships" xmlns:p="http://schemas.openxmlformats.org/presentationml/2006/main">
+  <p:cSld>
+    <p:spTree>
+      <p:nvGrpSpPr>
+        <p:cNvPr id="1" name=""/>
+        <p:cNvGrpSpPr/>
+        <p:nvPr/>
+      </p:nvGrpSpPr>
+      <p:grpSpPr>
+        <a:xfrm>
+          <a:off x="0" y="0"/>
+          <a:ext cx="0" cy="0"/>
+          <a:chOff x="0" y="0"/>
+          <a:chExt cx="0" cy="0"/>
+        </a:xfrm>
+      </p:grpSpPr>
+      <p:sp>
+        <p:nvSpPr>
+          <p:cNvPr id="2" name="Title 1"/>
+          <p:cNvSpPr>
+            <a:spLocks noGrp="1"/>
+          </p:cNvSpPr>
+          <p:nvPr>
+            <p:ph type="title"/>
+          </p:nvPr>
+        </p:nvSpPr>
+        <p:spPr>
+          <a:xfrm>
+            <a:off x="304800" y="0"/>
+            <a:ext cx="4117848" cy="850392"/>
+          </a:xfrm>
+        </p:spPr>
+        <p:txBody>
+          <a:bodyPr/>
+          <a:lstStyle/>
+          <a:p>
+            <a:r>
+              <a:rPr lang="en-US" dirty="0" smtClean="0"/>
+              <a:t>Data Source</a:t>
+            </a:r>
+            <a:endParaRPr lang="en-US" dirty="0"/>
+          </a:p>
+        </p:txBody>
+      </p:sp>
+      <p:sp>
+        <p:nvSpPr>
+          <p:cNvPr id="3" name="Text Placeholder 2"/>
+          <p:cNvSpPr>
+            <a:spLocks noGrp="1"/>
+          </p:cNvSpPr>
+          <p:nvPr>
+            <p:ph type="body" idx="1"/>
+          </p:nvPr>
+        </p:nvSpPr>
+        <p:spPr>
+          <a:xfrm>
+            <a:off x="228600" y="914400"/>
+            <a:ext cx="8074152" cy="1143000"/>
+          </a:xfrm>
+        </p:spPr>
+        <p:txBody>
+          <a:bodyPr>
+            <a:normAutofit fontScale="92500"/>
+          </a:bodyPr>
+          <a:lstStyle/>
+          <a:p>
+            <a:pPr>
+              <a:buFontTx/>
+              <a:buChar char="-"/>
+            </a:pPr>
+            <a:r>
+              <a:rPr lang="en-US" dirty="0" smtClean="0">
+                <a:latin typeface="+mj-lt"/>
+              </a:rPr>
+              <a:t>Downloaded from historical data on </a:t>
+            </a:r>
+            <a:r>
+              <a:rPr lang="en-US" dirty="0" err="1" smtClean="0">
+                <a:latin typeface="+mj-lt"/>
+              </a:rPr>
+              <a:t>webiste</a:t>
+            </a:r>
+            <a:r>
+              <a:rPr lang="en-US" dirty="0" smtClean="0">
+                <a:latin typeface="+mj-lt"/>
+              </a:rPr>
+              <a:t>: </a:t>
+            </a:r>
+            <a:r>
+              <a:rPr lang="en-US" dirty="0" smtClean="0">
+                <a:latin typeface="+mj-lt"/>
+                <a:hlinkClick r:id="rId2"/>
+              </a:rPr>
+              <a:t>http://www.cryptodatadownload.com/data</a:t>
+            </a:r>
+            <a:r>
+              <a:rPr lang="en-US" dirty="0" smtClean="0">
+                <a:latin typeface="+mj-lt"/>
+                <a:hlinkClick r:id="rId2"/>
+              </a:rPr>
+              <a:t>/</a:t>
+            </a:r>
+            <a:endParaRPr lang="en-US" dirty="0" smtClean="0">
+              <a:latin typeface="+mj-lt"/>
+            </a:endParaRPr>
+          </a:p>
+          <a:p>
+            <a:pPr>
+              <a:buFontTx/>
+              <a:buChar char="-"/>
+            </a:pPr>
+            <a:r>
+              <a:rPr lang="en-US" dirty="0" err="1" smtClean="0">
+                <a:latin typeface="+mj-lt"/>
+              </a:rPr>
+              <a:t>Bitcoin</a:t>
+            </a:r>
+            <a:r>
+              <a:rPr lang="en-US" dirty="0" smtClean="0">
+                <a:latin typeface="+mj-lt"/>
+              </a:rPr>
+              <a:t> data from December 2014 to May 2018 in CSV </a:t>
+            </a:r>
+            <a:r>
+              <a:rPr lang="en-US" dirty="0" smtClean="0">
+                <a:latin typeface="+mj-lt"/>
+              </a:rPr>
+              <a:t>file (1273 records)</a:t>
+            </a:r>
+            <a:endParaRPr lang="en-US" dirty="0" smtClean="0">
+              <a:latin typeface="+mj-lt"/>
+            </a:endParaRPr>
+          </a:p>
+        </p:txBody>
+      </p:sp>
+      <p:pic>
+        <p:nvPicPr>
+          <p:cNvPr id="1026" name="Picture 2" descr="C:\Users\Korisnik\Desktop\Untitled.jpg"/>
+          <p:cNvPicPr>
+            <a:picLocks noChangeAspect="1" noChangeArrowheads="1"/>
+          </p:cNvPicPr>
+          <p:nvPr/>
+        </p:nvPicPr>
+        <p:blipFill>
+          <a:blip r:embed="rId3" cstate="print"/>
+          <a:srcRect/>
+          <a:stretch>
+            <a:fillRect/>
+          </a:stretch>
+        </p:blipFill>
+        <p:spPr bwMode="auto">
+          <a:xfrm>
+            <a:off x="762000" y="2133600"/>
+            <a:ext cx="6096000" cy="4572000"/>
+          </a:xfrm>
+          <a:prstGeom prst="rect">
+            <a:avLst/>
+          </a:prstGeom>
+          <a:noFill/>
+        </p:spPr>
+      </p:pic>
+    </p:spTree>
+  </p:cSld>
+  <p:clrMapOvr>
+    <a:masterClrMapping/>
+  </p:clrMapOvr>
+</p:sld>
+</file>
+
+<file path=ppt/slides/slide5.xml><?xml version="1.0" encoding="utf-8"?>
 <p:sld xmlns:a="http://schemas.openxmlformats.org/drawingml/2006/main" xmlns:r="http://schemas.openxmlformats.org/officeDocument/2006/relationships" xmlns:p="http://schemas.openxmlformats.org/presentationml/2006/main">
   <p:cSld>
     <p:spTree>

--- a/Prediction of Stock Market Prices.pptx
+++ b/Prediction of Stock Market Prices.pptx
@@ -9,7 +9,10 @@
     <p:sldId id="257" r:id="rId3"/>
     <p:sldId id="259" r:id="rId4"/>
     <p:sldId id="260" r:id="rId5"/>
-    <p:sldId id="258" r:id="rId6"/>
+    <p:sldId id="261" r:id="rId6"/>
+    <p:sldId id="262" r:id="rId7"/>
+    <p:sldId id="263" r:id="rId8"/>
+    <p:sldId id="258" r:id="rId9"/>
   </p:sldIdLst>
   <p:sldSz cx="9144000" cy="6858000" type="screen4x3"/>
   <p:notesSz cx="6858000" cy="9144000"/>
@@ -4308,8 +4311,23 @@
               <a:rPr lang="en-US" dirty="0" smtClean="0">
                 <a:latin typeface="+mj-lt"/>
               </a:rPr>
-              <a:t>)</a:t>
-            </a:r>
+              <a:t>), setting Hardware accelerator to </a:t>
+            </a:r>
+            <a:r>
+              <a:rPr lang="en-US" b="1" dirty="0" smtClean="0">
+                <a:latin typeface="+mj-lt"/>
+              </a:rPr>
+              <a:t>TPU</a:t>
+            </a:r>
+            <a:r>
+              <a:rPr lang="en-US" dirty="0" smtClean="0">
+                <a:latin typeface="+mj-lt"/>
+              </a:rPr>
+              <a:t> (Tensor Processing Unit) which is now in Beta version but it is stronger that the strongest NVIDIA GPU.</a:t>
+            </a:r>
+            <a:endParaRPr lang="en-US" dirty="0" smtClean="0">
+              <a:latin typeface="+mj-lt"/>
+            </a:endParaRPr>
           </a:p>
           <a:p>
             <a:pPr>
@@ -4403,7 +4421,7 @@
         </p:blipFill>
         <p:spPr bwMode="auto">
           <a:xfrm>
-            <a:off x="1905000" y="2590800"/>
+            <a:off x="2057400" y="3200400"/>
             <a:ext cx="4893578" cy="2667000"/>
           </a:xfrm>
           <a:prstGeom prst="rect">
@@ -4498,10 +4516,10 @@
               <a:t>Downloaded from historical data on </a:t>
             </a:r>
             <a:r>
-              <a:rPr lang="en-US" dirty="0" err="1" smtClean="0">
+              <a:rPr lang="en-US" dirty="0" smtClean="0">
                 <a:latin typeface="+mj-lt"/>
               </a:rPr>
-              <a:t>webiste</a:t>
+              <a:t>website</a:t>
             </a:r>
             <a:r>
               <a:rPr lang="en-US" dirty="0" smtClean="0">
@@ -4514,14 +4532,7 @@
                 <a:latin typeface="+mj-lt"/>
                 <a:hlinkClick r:id="rId2"/>
               </a:rPr>
-              <a:t>http://www.cryptodatadownload.com/data</a:t>
-            </a:r>
-            <a:r>
-              <a:rPr lang="en-US" dirty="0" smtClean="0">
-                <a:latin typeface="+mj-lt"/>
-                <a:hlinkClick r:id="rId2"/>
-              </a:rPr>
-              <a:t>/</a:t>
+              <a:t>http://www.cryptodatadownload.com/data/</a:t>
             </a:r>
             <a:endParaRPr lang="en-US" dirty="0" smtClean="0">
               <a:latin typeface="+mj-lt"/>
@@ -4542,17 +4553,8 @@
               <a:rPr lang="en-US" dirty="0" smtClean="0">
                 <a:latin typeface="+mj-lt"/>
               </a:rPr>
-              <a:t> data from December 2014 to May 2018 in CSV </a:t>
-            </a:r>
-            <a:r>
-              <a:rPr lang="en-US" dirty="0" smtClean="0">
-                <a:latin typeface="+mj-lt"/>
-              </a:rPr>
-              <a:t>file (1273 records)</a:t>
-            </a:r>
-            <a:endParaRPr lang="en-US" dirty="0" smtClean="0">
-              <a:latin typeface="+mj-lt"/>
-            </a:endParaRPr>
+              <a:t> data from December 2014 to May 2018 in CSV file (1273 records)</a:t>
+            </a:r>
           </a:p>
         </p:txBody>
       </p:sp>
@@ -4591,6 +4593,683 @@
 </file>
 
 <file path=ppt/slides/slide5.xml><?xml version="1.0" encoding="utf-8"?>
+<p:sld xmlns:a="http://schemas.openxmlformats.org/drawingml/2006/main" xmlns:r="http://schemas.openxmlformats.org/officeDocument/2006/relationships" xmlns:p="http://schemas.openxmlformats.org/presentationml/2006/main">
+  <p:cSld>
+    <p:spTree>
+      <p:nvGrpSpPr>
+        <p:cNvPr id="1" name=""/>
+        <p:cNvGrpSpPr/>
+        <p:nvPr/>
+      </p:nvGrpSpPr>
+      <p:grpSpPr>
+        <a:xfrm>
+          <a:off x="0" y="0"/>
+          <a:ext cx="0" cy="0"/>
+          <a:chOff x="0" y="0"/>
+          <a:chExt cx="0" cy="0"/>
+        </a:xfrm>
+      </p:grpSpPr>
+      <p:sp>
+        <p:nvSpPr>
+          <p:cNvPr id="2" name="Title 1"/>
+          <p:cNvSpPr>
+            <a:spLocks noGrp="1"/>
+          </p:cNvSpPr>
+          <p:nvPr>
+            <p:ph type="title"/>
+          </p:nvPr>
+        </p:nvSpPr>
+        <p:spPr>
+          <a:xfrm>
+            <a:off x="152400" y="0"/>
+            <a:ext cx="2362200" cy="774192"/>
+          </a:xfrm>
+        </p:spPr>
+        <p:txBody>
+          <a:bodyPr/>
+          <a:lstStyle/>
+          <a:p>
+            <a:r>
+              <a:rPr lang="en-US" dirty="0" smtClean="0"/>
+              <a:t>Results</a:t>
+            </a:r>
+            <a:endParaRPr lang="en-US" dirty="0"/>
+          </a:p>
+        </p:txBody>
+      </p:sp>
+      <p:sp>
+        <p:nvSpPr>
+          <p:cNvPr id="3" name="Text Placeholder 2"/>
+          <p:cNvSpPr>
+            <a:spLocks noGrp="1"/>
+          </p:cNvSpPr>
+          <p:nvPr>
+            <p:ph type="body" idx="1"/>
+          </p:nvPr>
+        </p:nvSpPr>
+        <p:spPr>
+          <a:xfrm>
+            <a:off x="228600" y="762000"/>
+            <a:ext cx="8686800" cy="5867400"/>
+          </a:xfrm>
+        </p:spPr>
+        <p:txBody>
+          <a:bodyPr/>
+          <a:lstStyle/>
+          <a:p>
+            <a:r>
+              <a:rPr lang="en-US" sz="1600" dirty="0" smtClean="0">
+                <a:latin typeface="+mj-lt"/>
+              </a:rPr>
+              <a:t>First we will show results of training LSTM Neural Network </a:t>
+            </a:r>
+          </a:p>
+          <a:p>
+            <a:r>
+              <a:rPr lang="en-US" sz="1600" dirty="0" smtClean="0">
+                <a:latin typeface="+mj-lt"/>
+              </a:rPr>
+              <a:t>with 1000 samples of training set and 200 epochs (forward and </a:t>
+            </a:r>
+          </a:p>
+          <a:p>
+            <a:r>
+              <a:rPr lang="en-US" sz="1600" dirty="0" smtClean="0">
+                <a:latin typeface="+mj-lt"/>
+              </a:rPr>
+              <a:t>backward propagations our model needs to make).</a:t>
+            </a:r>
+          </a:p>
+          <a:p>
+            <a:r>
+              <a:rPr lang="en-US" sz="1600" dirty="0" smtClean="0">
+                <a:latin typeface="+mj-lt"/>
+              </a:rPr>
+              <a:t>At the end in 200</a:t>
+            </a:r>
+            <a:r>
+              <a:rPr lang="en-US" sz="1600" baseline="30000" dirty="0" smtClean="0">
+                <a:latin typeface="+mj-lt"/>
+              </a:rPr>
+              <a:t>th</a:t>
+            </a:r>
+            <a:r>
+              <a:rPr lang="en-US" sz="1600" dirty="0" smtClean="0">
+                <a:latin typeface="+mj-lt"/>
+              </a:rPr>
+              <a:t> epoch our  loss is only 0.00548..</a:t>
+            </a:r>
+          </a:p>
+          <a:p>
+            <a:r>
+              <a:rPr lang="en-US" sz="1600" dirty="0" smtClean="0">
+                <a:latin typeface="+mj-lt"/>
+              </a:rPr>
+              <a:t>But we can see that after 140 epochs our algorithm is getting stuck</a:t>
+            </a:r>
+          </a:p>
+          <a:p>
+            <a:r>
+              <a:rPr lang="en-US" sz="1600" dirty="0" smtClean="0">
+                <a:latin typeface="+mj-lt"/>
+              </a:rPr>
+              <a:t>With plateau and climbing little bit up to the hill, but at the end we </a:t>
+            </a:r>
+          </a:p>
+          <a:p>
+            <a:r>
+              <a:rPr lang="en-US" sz="1600" dirty="0" smtClean="0">
+                <a:latin typeface="+mj-lt"/>
+              </a:rPr>
+              <a:t>Will reach the minimum of all losses before.</a:t>
+            </a:r>
+          </a:p>
+          <a:p>
+            <a:endParaRPr lang="en-US" dirty="0" smtClean="0">
+              <a:latin typeface="+mj-lt"/>
+            </a:endParaRPr>
+          </a:p>
+          <a:p>
+            <a:r>
+              <a:rPr lang="en-US" sz="1600" dirty="0" smtClean="0">
+                <a:latin typeface="+mj-lt"/>
+              </a:rPr>
+              <a:t>At the end we can see on the graph how our training and predictions are getting more closer to the actual values as moving forward to the right</a:t>
+            </a:r>
+            <a:r>
+              <a:rPr lang="sr-Latn-CS" sz="1600" dirty="0" smtClean="0">
+                <a:latin typeface="+mj-lt"/>
+              </a:rPr>
+              <a:t> with the test set</a:t>
+            </a:r>
+            <a:r>
+              <a:rPr lang="en-US" sz="1600" dirty="0" smtClean="0">
+                <a:latin typeface="+mj-lt"/>
+              </a:rPr>
+              <a:t>.</a:t>
+            </a:r>
+          </a:p>
+          <a:p>
+            <a:endParaRPr lang="en-US" dirty="0"/>
+          </a:p>
+        </p:txBody>
+      </p:sp>
+      <p:pic>
+        <p:nvPicPr>
+          <p:cNvPr id="1026" name="Picture 2" descr="C:\Users\Korisnik\Desktop\Untitled.jpg"/>
+          <p:cNvPicPr>
+            <a:picLocks noChangeAspect="1" noChangeArrowheads="1"/>
+          </p:cNvPicPr>
+          <p:nvPr/>
+        </p:nvPicPr>
+        <p:blipFill>
+          <a:blip r:embed="rId2" cstate="print"/>
+          <a:srcRect/>
+          <a:stretch>
+            <a:fillRect/>
+          </a:stretch>
+        </p:blipFill>
+        <p:spPr bwMode="auto">
+          <a:xfrm>
+            <a:off x="5867400" y="838200"/>
+            <a:ext cx="3124200" cy="2362200"/>
+          </a:xfrm>
+          <a:prstGeom prst="rect">
+            <a:avLst/>
+          </a:prstGeom>
+          <a:noFill/>
+        </p:spPr>
+      </p:pic>
+      <p:pic>
+        <p:nvPicPr>
+          <p:cNvPr id="1027" name="Picture 3" descr="C:\Users\Korisnik\Desktop\Untitled.jpg"/>
+          <p:cNvPicPr>
+            <a:picLocks noChangeAspect="1" noChangeArrowheads="1"/>
+          </p:cNvPicPr>
+          <p:nvPr/>
+        </p:nvPicPr>
+        <p:blipFill>
+          <a:blip r:embed="rId3" cstate="print"/>
+          <a:srcRect/>
+          <a:stretch>
+            <a:fillRect/>
+          </a:stretch>
+        </p:blipFill>
+        <p:spPr bwMode="auto">
+          <a:xfrm>
+            <a:off x="1143000" y="3810000"/>
+            <a:ext cx="6400800" cy="2883427"/>
+          </a:xfrm>
+          <a:prstGeom prst="rect">
+            <a:avLst/>
+          </a:prstGeom>
+          <a:noFill/>
+        </p:spPr>
+      </p:pic>
+      <p:sp>
+        <p:nvSpPr>
+          <p:cNvPr id="6" name="Oval 5"/>
+          <p:cNvSpPr/>
+          <p:nvPr/>
+        </p:nvSpPr>
+        <p:spPr>
+          <a:xfrm>
+            <a:off x="5791200" y="6096000"/>
+            <a:ext cx="1524000" cy="304800"/>
+          </a:xfrm>
+          <a:prstGeom prst="ellipse">
+            <a:avLst/>
+          </a:prstGeom>
+          <a:noFill/>
+          <a:ln>
+            <a:solidFill>
+              <a:srgbClr val="FF0000"/>
+            </a:solidFill>
+          </a:ln>
+        </p:spPr>
+        <p:style>
+          <a:lnRef idx="2">
+            <a:schemeClr val="accent1">
+              <a:shade val="50000"/>
+            </a:schemeClr>
+          </a:lnRef>
+          <a:fillRef idx="1">
+            <a:schemeClr val="accent1"/>
+          </a:fillRef>
+          <a:effectRef idx="0">
+            <a:schemeClr val="accent1"/>
+          </a:effectRef>
+          <a:fontRef idx="minor">
+            <a:schemeClr val="lt1"/>
+          </a:fontRef>
+        </p:style>
+        <p:txBody>
+          <a:bodyPr rtlCol="0" anchor="ctr"/>
+          <a:lstStyle/>
+          <a:p>
+            <a:pPr algn="ctr"/>
+            <a:endParaRPr lang="en-US" dirty="0">
+              <a:solidFill>
+                <a:srgbClr val="FF0000"/>
+              </a:solidFill>
+            </a:endParaRPr>
+          </a:p>
+        </p:txBody>
+      </p:sp>
+    </p:spTree>
+  </p:cSld>
+  <p:clrMapOvr>
+    <a:masterClrMapping/>
+  </p:clrMapOvr>
+</p:sld>
+</file>
+
+<file path=ppt/slides/slide6.xml><?xml version="1.0" encoding="utf-8"?>
+<p:sld xmlns:a="http://schemas.openxmlformats.org/drawingml/2006/main" xmlns:r="http://schemas.openxmlformats.org/officeDocument/2006/relationships" xmlns:p="http://schemas.openxmlformats.org/presentationml/2006/main">
+  <p:cSld>
+    <p:spTree>
+      <p:nvGrpSpPr>
+        <p:cNvPr id="1" name=""/>
+        <p:cNvGrpSpPr/>
+        <p:nvPr/>
+      </p:nvGrpSpPr>
+      <p:grpSpPr>
+        <a:xfrm>
+          <a:off x="0" y="0"/>
+          <a:ext cx="0" cy="0"/>
+          <a:chOff x="0" y="0"/>
+          <a:chExt cx="0" cy="0"/>
+        </a:xfrm>
+      </p:grpSpPr>
+      <p:sp>
+        <p:nvSpPr>
+          <p:cNvPr id="2" name="Title 1"/>
+          <p:cNvSpPr>
+            <a:spLocks noGrp="1"/>
+          </p:cNvSpPr>
+          <p:nvPr>
+            <p:ph type="title"/>
+          </p:nvPr>
+        </p:nvSpPr>
+        <p:spPr>
+          <a:xfrm>
+            <a:off x="152400" y="0"/>
+            <a:ext cx="3355848" cy="774192"/>
+          </a:xfrm>
+        </p:spPr>
+        <p:txBody>
+          <a:bodyPr/>
+          <a:lstStyle/>
+          <a:p>
+            <a:r>
+              <a:rPr lang="en-US" dirty="0" smtClean="0"/>
+              <a:t>Conclusion</a:t>
+            </a:r>
+            <a:endParaRPr lang="en-US" dirty="0"/>
+          </a:p>
+        </p:txBody>
+      </p:sp>
+      <p:sp>
+        <p:nvSpPr>
+          <p:cNvPr id="3" name="Text Placeholder 2"/>
+          <p:cNvSpPr>
+            <a:spLocks noGrp="1"/>
+          </p:cNvSpPr>
+          <p:nvPr>
+            <p:ph type="body" idx="1"/>
+          </p:nvPr>
+        </p:nvSpPr>
+        <p:spPr>
+          <a:xfrm>
+            <a:off x="304800" y="762000"/>
+            <a:ext cx="7997952" cy="5791200"/>
+          </a:xfrm>
+        </p:spPr>
+        <p:txBody>
+          <a:bodyPr>
+            <a:normAutofit/>
+          </a:bodyPr>
+          <a:lstStyle/>
+          <a:p>
+            <a:r>
+              <a:rPr lang="en-US" dirty="0" smtClean="0"/>
+              <a:t>This program can optimize even more. Practically we can never guess with 100% actual and future values.</a:t>
+            </a:r>
+          </a:p>
+          <a:p>
+            <a:r>
+              <a:rPr lang="en-US" dirty="0" smtClean="0"/>
+              <a:t>Practically we would need a lot more different data from different formal and informal sources (all data about some companies, currencies, or other stocks, for some stocks we even need tweets, news).</a:t>
+            </a:r>
+          </a:p>
+          <a:p>
+            <a:r>
+              <a:rPr lang="en-US" dirty="0" smtClean="0"/>
+              <a:t>W</a:t>
+            </a:r>
+            <a:r>
+              <a:rPr lang="en-US" dirty="0" smtClean="0"/>
+              <a:t>e </a:t>
+            </a:r>
+            <a:r>
+              <a:rPr lang="en-US" dirty="0" err="1" smtClean="0"/>
+              <a:t>wolud</a:t>
+            </a:r>
+            <a:r>
+              <a:rPr lang="en-US" dirty="0" smtClean="0"/>
+              <a:t> even need privacy and secured data of some companies or banks to have the best future predictions which is not actually possible except having Spyware programs that runs distributed on all devices and machines of business people and sending that to AI cluster of servers for processing and feeding network for improving predictions.</a:t>
+            </a:r>
+          </a:p>
+          <a:p>
+            <a:r>
+              <a:rPr lang="en-US" dirty="0" smtClean="0"/>
+              <a:t>However LSTM is really efficient network for predicting stock prices and other time series predicting as Speech Recognition, Image Captioning, Text </a:t>
+            </a:r>
+            <a:r>
+              <a:rPr lang="en-US" dirty="0" err="1" smtClean="0"/>
+              <a:t>transcripting</a:t>
+            </a:r>
+            <a:r>
+              <a:rPr lang="en-US" dirty="0" smtClean="0"/>
+              <a:t> and Language Translation, or other structural data.</a:t>
+            </a:r>
+          </a:p>
+        </p:txBody>
+      </p:sp>
+    </p:spTree>
+  </p:cSld>
+  <p:clrMapOvr>
+    <a:masterClrMapping/>
+  </p:clrMapOvr>
+</p:sld>
+</file>
+
+<file path=ppt/slides/slide7.xml><?xml version="1.0" encoding="utf-8"?>
+<p:sld xmlns:a="http://schemas.openxmlformats.org/drawingml/2006/main" xmlns:r="http://schemas.openxmlformats.org/officeDocument/2006/relationships" xmlns:p="http://schemas.openxmlformats.org/presentationml/2006/main">
+  <p:cSld>
+    <p:spTree>
+      <p:nvGrpSpPr>
+        <p:cNvPr id="1" name=""/>
+        <p:cNvGrpSpPr/>
+        <p:nvPr/>
+      </p:nvGrpSpPr>
+      <p:grpSpPr>
+        <a:xfrm>
+          <a:off x="0" y="0"/>
+          <a:ext cx="0" cy="0"/>
+          <a:chOff x="0" y="0"/>
+          <a:chExt cx="0" cy="0"/>
+        </a:xfrm>
+      </p:grpSpPr>
+      <p:sp>
+        <p:nvSpPr>
+          <p:cNvPr id="2" name="Title 1"/>
+          <p:cNvSpPr>
+            <a:spLocks noGrp="1"/>
+          </p:cNvSpPr>
+          <p:nvPr>
+            <p:ph type="title"/>
+          </p:nvPr>
+        </p:nvSpPr>
+        <p:spPr>
+          <a:xfrm>
+            <a:off x="0" y="0"/>
+            <a:ext cx="2974848" cy="697992"/>
+          </a:xfrm>
+        </p:spPr>
+        <p:txBody>
+          <a:bodyPr/>
+          <a:lstStyle/>
+          <a:p>
+            <a:r>
+              <a:rPr lang="en-US" dirty="0" smtClean="0"/>
+              <a:t>Literature</a:t>
+            </a:r>
+            <a:endParaRPr lang="en-US" dirty="0"/>
+          </a:p>
+        </p:txBody>
+      </p:sp>
+      <p:sp>
+        <p:nvSpPr>
+          <p:cNvPr id="3" name="Text Placeholder 2"/>
+          <p:cNvSpPr>
+            <a:spLocks noGrp="1"/>
+          </p:cNvSpPr>
+          <p:nvPr>
+            <p:ph type="body" idx="1"/>
+          </p:nvPr>
+        </p:nvSpPr>
+        <p:spPr>
+          <a:xfrm>
+            <a:off x="530352" y="609600"/>
+            <a:ext cx="7772400" cy="6172200"/>
+          </a:xfrm>
+        </p:spPr>
+        <p:txBody>
+          <a:bodyPr>
+            <a:normAutofit/>
+          </a:bodyPr>
+          <a:lstStyle/>
+          <a:p>
+            <a:pPr marL="457200" indent="-457200">
+              <a:buAutoNum type="arabicParenR"/>
+            </a:pPr>
+            <a:r>
+              <a:rPr lang="en-US" dirty="0" smtClean="0">
+                <a:hlinkClick r:id="rId2"/>
+              </a:rPr>
+              <a:t>https://</a:t>
+            </a:r>
+            <a:r>
+              <a:rPr lang="en-US" dirty="0" smtClean="0">
+                <a:hlinkClick r:id="rId2"/>
+              </a:rPr>
+              <a:t>en.wikipedia.org/wiki/Long_short-term_memory</a:t>
+            </a:r>
+            <a:endParaRPr lang="en-US" dirty="0" smtClean="0"/>
+          </a:p>
+          <a:p>
+            <a:pPr marL="457200" indent="-457200">
+              <a:buAutoNum type="arabicParenR"/>
+            </a:pPr>
+            <a:r>
+              <a:rPr lang="en-US" dirty="0" smtClean="0">
+                <a:hlinkClick r:id="rId3"/>
+              </a:rPr>
+              <a:t>https</a:t>
+            </a:r>
+            <a:r>
+              <a:rPr lang="en-US" dirty="0" smtClean="0">
+                <a:hlinkClick r:id="rId3"/>
+              </a:rPr>
+              <a:t>://dashee87.github.io/deep%20learning/python/predicting-cryptocurrency-prices-with-deep-learning</a:t>
+            </a:r>
+            <a:r>
+              <a:rPr lang="en-US" dirty="0" smtClean="0">
+                <a:hlinkClick r:id="rId3"/>
+              </a:rPr>
+              <a:t>/</a:t>
+            </a:r>
+            <a:endParaRPr lang="en-US" dirty="0" smtClean="0"/>
+          </a:p>
+          <a:p>
+            <a:pPr marL="457200" indent="-457200">
+              <a:buAutoNum type="arabicParenR"/>
+            </a:pPr>
+            <a:r>
+              <a:rPr lang="en-US" dirty="0" smtClean="0">
+                <a:hlinkClick r:id="rId4"/>
+              </a:rPr>
+              <a:t>https://colah.github.io/posts/2015-08-Understanding-LSTMs</a:t>
+            </a:r>
+            <a:r>
+              <a:rPr lang="en-US" dirty="0" smtClean="0">
+                <a:hlinkClick r:id="rId4"/>
+              </a:rPr>
+              <a:t>/</a:t>
+            </a:r>
+            <a:endParaRPr lang="en-US" dirty="0" smtClean="0"/>
+          </a:p>
+          <a:p>
+            <a:pPr marL="457200" indent="-457200">
+              <a:buAutoNum type="arabicParenR"/>
+            </a:pPr>
+            <a:r>
+              <a:rPr lang="en-US" dirty="0" smtClean="0">
+                <a:hlinkClick r:id="rId5"/>
+              </a:rPr>
+              <a:t>https://</a:t>
+            </a:r>
+            <a:r>
+              <a:rPr lang="en-US" dirty="0" smtClean="0">
+                <a:hlinkClick r:id="rId5"/>
+              </a:rPr>
+              <a:t>www.youtube.com/watch?v=zwqwlR48ztQ</a:t>
+            </a:r>
+            <a:endParaRPr lang="en-US" dirty="0" smtClean="0"/>
+          </a:p>
+          <a:p>
+            <a:pPr marL="457200" indent="-457200">
+              <a:buAutoNum type="arabicParenR"/>
+            </a:pPr>
+            <a:r>
+              <a:rPr lang="en-US" dirty="0" smtClean="0">
+                <a:hlinkClick r:id="rId6"/>
+              </a:rPr>
+              <a:t>https://</a:t>
+            </a:r>
+            <a:r>
+              <a:rPr lang="en-US" dirty="0" smtClean="0">
+                <a:hlinkClick r:id="rId6"/>
+              </a:rPr>
+              <a:t>www.youtube.com/watch?v=2np77NOdnwk</a:t>
+            </a:r>
+            <a:endParaRPr lang="en-US" dirty="0" smtClean="0"/>
+          </a:p>
+          <a:p>
+            <a:pPr marL="457200" indent="-457200">
+              <a:buAutoNum type="arabicParenR"/>
+            </a:pPr>
+            <a:r>
+              <a:rPr lang="en-US" dirty="0" err="1" smtClean="0"/>
+              <a:t>Univerzitet</a:t>
+            </a:r>
+            <a:r>
+              <a:rPr lang="en-US" dirty="0" smtClean="0"/>
+              <a:t> </a:t>
+            </a:r>
+            <a:r>
+              <a:rPr lang="en-US" dirty="0" err="1" smtClean="0"/>
+              <a:t>Singidunum</a:t>
+            </a:r>
+            <a:r>
+              <a:rPr lang="en-US" dirty="0" smtClean="0"/>
+              <a:t>, </a:t>
+            </a:r>
+            <a:r>
+              <a:rPr lang="sr-Latn-CS" dirty="0" smtClean="0"/>
+              <a:t>“</a:t>
+            </a:r>
+            <a:r>
+              <a:rPr lang="en-US" dirty="0" err="1" smtClean="0"/>
+              <a:t>Ve</a:t>
+            </a:r>
+            <a:r>
+              <a:rPr lang="sr-Latn-CS" dirty="0" smtClean="0"/>
+              <a:t>štačka Inteligencija” – Milan Milosavljević</a:t>
+            </a:r>
+          </a:p>
+          <a:p>
+            <a:pPr marL="457200" indent="-457200">
+              <a:buAutoNum type="arabicParenR"/>
+            </a:pPr>
+            <a:r>
+              <a:rPr lang="en-US" dirty="0" smtClean="0">
+                <a:hlinkClick r:id="rId7"/>
+              </a:rPr>
+              <a:t>https://medium.com/@</a:t>
+            </a:r>
+            <a:r>
+              <a:rPr lang="en-US" dirty="0" smtClean="0">
+                <a:hlinkClick r:id="rId7"/>
+              </a:rPr>
+              <a:t>anishsingh20/the-vanishing-gradient-problem-48ae7f501257</a:t>
+            </a:r>
+            <a:endParaRPr lang="sr-Latn-CS" dirty="0" smtClean="0"/>
+          </a:p>
+          <a:p>
+            <a:pPr marL="457200" indent="-457200">
+              <a:buAutoNum type="arabicParenR"/>
+            </a:pPr>
+            <a:r>
+              <a:rPr lang="en-US" dirty="0" smtClean="0">
+                <a:hlinkClick r:id="rId8"/>
+              </a:rPr>
+              <a:t>https://</a:t>
+            </a:r>
+            <a:r>
+              <a:rPr lang="en-US" dirty="0" smtClean="0">
+                <a:hlinkClick r:id="rId8"/>
+              </a:rPr>
+              <a:t>towardsdatascience.com/recurrent-neural-networks-d4642c9bc7ce</a:t>
+            </a:r>
+            <a:endParaRPr lang="sr-Latn-CS" dirty="0" smtClean="0"/>
+          </a:p>
+          <a:p>
+            <a:pPr marL="457200" indent="-457200">
+              <a:buAutoNum type="arabicParenR"/>
+            </a:pPr>
+            <a:r>
+              <a:rPr lang="en-US" dirty="0" smtClean="0">
+                <a:hlinkClick r:id="rId9"/>
+              </a:rPr>
+              <a:t>https://</a:t>
+            </a:r>
+            <a:r>
+              <a:rPr lang="en-US" dirty="0" smtClean="0">
+                <a:hlinkClick r:id="rId9"/>
+              </a:rPr>
+              <a:t>skymind.ai/wiki/lstm</a:t>
+            </a:r>
+            <a:endParaRPr lang="sr-Latn-CS" dirty="0" smtClean="0"/>
+          </a:p>
+          <a:p>
+            <a:pPr marL="457200" indent="-457200">
+              <a:buAutoNum type="arabicParenR"/>
+            </a:pPr>
+            <a:r>
+              <a:rPr lang="en-US" dirty="0" smtClean="0">
+                <a:hlinkClick r:id="rId10"/>
+              </a:rPr>
+              <a:t>https://medium.com/explore-artificial-intelligence/an-introduction-to-recurrent-neural-networks-72c97bf0912</a:t>
+            </a:r>
+            <a:endParaRPr lang="sr-Latn-CS" dirty="0" smtClean="0"/>
+          </a:p>
+          <a:p>
+            <a:pPr marL="457200" indent="-457200">
+              <a:buAutoNum type="arabicParenR"/>
+            </a:pPr>
+            <a:endParaRPr lang="en-US" dirty="0" smtClean="0"/>
+          </a:p>
+          <a:p>
+            <a:pPr marL="457200" indent="-457200">
+              <a:buAutoNum type="arabicParenR"/>
+            </a:pPr>
+            <a:endParaRPr lang="en-US" dirty="0">
+              <a:latin typeface="+mj-lt"/>
+            </a:endParaRPr>
+          </a:p>
+        </p:txBody>
+      </p:sp>
+    </p:spTree>
+  </p:cSld>
+  <p:clrMapOvr>
+    <a:masterClrMapping/>
+  </p:clrMapOvr>
+</p:sld>
+</file>
+
+<file path=ppt/slides/slide8.xml><?xml version="1.0" encoding="utf-8"?>
 <p:sld xmlns:a="http://schemas.openxmlformats.org/drawingml/2006/main" xmlns:r="http://schemas.openxmlformats.org/officeDocument/2006/relationships" xmlns:p="http://schemas.openxmlformats.org/presentationml/2006/main">
   <p:cSld>
     <p:spTree>

--- a/Prediction of Stock Market Prices.pptx
+++ b/Prediction of Stock Market Prices.pptx
@@ -4325,9 +4325,6 @@
               </a:rPr>
               <a:t> (Tensor Processing Unit) which is now in Beta version but it is stronger that the strongest NVIDIA GPU.</a:t>
             </a:r>
-            <a:endParaRPr lang="en-US" dirty="0" smtClean="0">
-              <a:latin typeface="+mj-lt"/>
-            </a:endParaRPr>
           </a:p>
           <a:p>
             <a:pPr>
@@ -4513,19 +4510,7 @@
               <a:rPr lang="en-US" dirty="0" smtClean="0">
                 <a:latin typeface="+mj-lt"/>
               </a:rPr>
-              <a:t>Downloaded from historical data on </a:t>
-            </a:r>
-            <a:r>
-              <a:rPr lang="en-US" dirty="0" smtClean="0">
-                <a:latin typeface="+mj-lt"/>
-              </a:rPr>
-              <a:t>website</a:t>
-            </a:r>
-            <a:r>
-              <a:rPr lang="en-US" dirty="0" smtClean="0">
-                <a:latin typeface="+mj-lt"/>
-              </a:rPr>
-              <a:t>: </a:t>
+              <a:t>Downloaded from historical data on website: </a:t>
             </a:r>
             <a:r>
               <a:rPr lang="en-US" dirty="0" smtClean="0">
@@ -4782,7 +4767,7 @@
       </p:pic>
       <p:pic>
         <p:nvPicPr>
-          <p:cNvPr id="1027" name="Picture 3" descr="C:\Users\Korisnik\Desktop\Untitled.jpg"/>
+          <p:cNvPr id="4" name="Picture 2" descr="C:\Users\Korisnik\Desktop\Untitled.jpg"/>
           <p:cNvPicPr>
             <a:picLocks noChangeAspect="1" noChangeArrowheads="1"/>
           </p:cNvPicPr>
@@ -4797,8 +4782,8 @@
         </p:blipFill>
         <p:spPr bwMode="auto">
           <a:xfrm>
-            <a:off x="1143000" y="3810000"/>
-            <a:ext cx="6400800" cy="2883427"/>
+            <a:off x="762000" y="3886200"/>
+            <a:ext cx="6480972" cy="2743200"/>
           </a:xfrm>
           <a:prstGeom prst="rect">
             <a:avLst/>
@@ -4806,56 +4791,6 @@
           <a:noFill/>
         </p:spPr>
       </p:pic>
-      <p:sp>
-        <p:nvSpPr>
-          <p:cNvPr id="6" name="Oval 5"/>
-          <p:cNvSpPr/>
-          <p:nvPr/>
-        </p:nvSpPr>
-        <p:spPr>
-          <a:xfrm>
-            <a:off x="5791200" y="6096000"/>
-            <a:ext cx="1524000" cy="304800"/>
-          </a:xfrm>
-          <a:prstGeom prst="ellipse">
-            <a:avLst/>
-          </a:prstGeom>
-          <a:noFill/>
-          <a:ln>
-            <a:solidFill>
-              <a:srgbClr val="FF0000"/>
-            </a:solidFill>
-          </a:ln>
-        </p:spPr>
-        <p:style>
-          <a:lnRef idx="2">
-            <a:schemeClr val="accent1">
-              <a:shade val="50000"/>
-            </a:schemeClr>
-          </a:lnRef>
-          <a:fillRef idx="1">
-            <a:schemeClr val="accent1"/>
-          </a:fillRef>
-          <a:effectRef idx="0">
-            <a:schemeClr val="accent1"/>
-          </a:effectRef>
-          <a:fontRef idx="minor">
-            <a:schemeClr val="lt1"/>
-          </a:fontRef>
-        </p:style>
-        <p:txBody>
-          <a:bodyPr rtlCol="0" anchor="ctr"/>
-          <a:lstStyle/>
-          <a:p>
-            <a:pPr algn="ctr"/>
-            <a:endParaRPr lang="en-US" dirty="0">
-              <a:solidFill>
-                <a:srgbClr val="FF0000"/>
-              </a:solidFill>
-            </a:endParaRPr>
-          </a:p>
-        </p:txBody>
-      </p:sp>
     </p:spTree>
   </p:cSld>
   <p:clrMapOvr>
@@ -4945,11 +4880,7 @@
           <a:p>
             <a:r>
               <a:rPr lang="en-US" dirty="0" smtClean="0"/>
-              <a:t>W</a:t>
-            </a:r>
-            <a:r>
-              <a:rPr lang="en-US" dirty="0" smtClean="0"/>
-              <a:t>e </a:t>
+              <a:t>We </a:t>
             </a:r>
             <a:r>
               <a:rPr lang="en-US" dirty="0" err="1" smtClean="0"/>
@@ -5058,13 +4989,7 @@
               <a:rPr lang="en-US" dirty="0" smtClean="0">
                 <a:hlinkClick r:id="rId2"/>
               </a:rPr>
-              <a:t>https://</a:t>
-            </a:r>
-            <a:r>
-              <a:rPr lang="en-US" dirty="0" smtClean="0">
-                <a:hlinkClick r:id="rId2"/>
-              </a:rPr>
-              <a:t>en.wikipedia.org/wiki/Long_short-term_memory</a:t>
+              <a:t>https://en.wikipedia.org/wiki/Long_short-term_memory</a:t>
             </a:r>
             <a:endParaRPr lang="en-US" dirty="0" smtClean="0"/>
           </a:p>
@@ -5076,19 +5001,7 @@
               <a:rPr lang="en-US" dirty="0" smtClean="0">
                 <a:hlinkClick r:id="rId3"/>
               </a:rPr>
-              <a:t>https</a:t>
-            </a:r>
-            <a:r>
-              <a:rPr lang="en-US" dirty="0" smtClean="0">
-                <a:hlinkClick r:id="rId3"/>
-              </a:rPr>
-              <a:t>://dashee87.github.io/deep%20learning/python/predicting-cryptocurrency-prices-with-deep-learning</a:t>
-            </a:r>
-            <a:r>
-              <a:rPr lang="en-US" dirty="0" smtClean="0">
-                <a:hlinkClick r:id="rId3"/>
-              </a:rPr>
-              <a:t>/</a:t>
+              <a:t>https://dashee87.github.io/deep%20learning/python/predicting-cryptocurrency-prices-with-deep-learning/</a:t>
             </a:r>
             <a:endParaRPr lang="en-US" dirty="0" smtClean="0"/>
           </a:p>
@@ -5100,13 +5013,7 @@
               <a:rPr lang="en-US" dirty="0" smtClean="0">
                 <a:hlinkClick r:id="rId4"/>
               </a:rPr>
-              <a:t>https://colah.github.io/posts/2015-08-Understanding-LSTMs</a:t>
-            </a:r>
-            <a:r>
-              <a:rPr lang="en-US" dirty="0" smtClean="0">
-                <a:hlinkClick r:id="rId4"/>
-              </a:rPr>
-              <a:t>/</a:t>
+              <a:t>https://colah.github.io/posts/2015-08-Understanding-LSTMs/</a:t>
             </a:r>
             <a:endParaRPr lang="en-US" dirty="0" smtClean="0"/>
           </a:p>
@@ -5118,13 +5025,7 @@
               <a:rPr lang="en-US" dirty="0" smtClean="0">
                 <a:hlinkClick r:id="rId5"/>
               </a:rPr>
-              <a:t>https://</a:t>
-            </a:r>
-            <a:r>
-              <a:rPr lang="en-US" dirty="0" smtClean="0">
-                <a:hlinkClick r:id="rId5"/>
-              </a:rPr>
-              <a:t>www.youtube.com/watch?v=zwqwlR48ztQ</a:t>
+              <a:t>https://www.youtube.com/watch?v=zwqwlR48ztQ</a:t>
             </a:r>
             <a:endParaRPr lang="en-US" dirty="0" smtClean="0"/>
           </a:p>
@@ -5136,13 +5037,7 @@
               <a:rPr lang="en-US" dirty="0" smtClean="0">
                 <a:hlinkClick r:id="rId6"/>
               </a:rPr>
-              <a:t>https://</a:t>
-            </a:r>
-            <a:r>
-              <a:rPr lang="en-US" dirty="0" smtClean="0">
-                <a:hlinkClick r:id="rId6"/>
-              </a:rPr>
-              <a:t>www.youtube.com/watch?v=2np77NOdnwk</a:t>
+              <a:t>https://www.youtube.com/watch?v=2np77NOdnwk</a:t>
             </a:r>
             <a:endParaRPr lang="en-US" dirty="0" smtClean="0"/>
           </a:p>
@@ -5187,13 +5082,7 @@
               <a:rPr lang="en-US" dirty="0" smtClean="0">
                 <a:hlinkClick r:id="rId7"/>
               </a:rPr>
-              <a:t>https://medium.com/@</a:t>
-            </a:r>
-            <a:r>
-              <a:rPr lang="en-US" dirty="0" smtClean="0">
-                <a:hlinkClick r:id="rId7"/>
-              </a:rPr>
-              <a:t>anishsingh20/the-vanishing-gradient-problem-48ae7f501257</a:t>
+              <a:t>https://medium.com/@anishsingh20/the-vanishing-gradient-problem-48ae7f501257</a:t>
             </a:r>
             <a:endParaRPr lang="sr-Latn-CS" dirty="0" smtClean="0"/>
           </a:p>
@@ -5205,13 +5094,7 @@
               <a:rPr lang="en-US" dirty="0" smtClean="0">
                 <a:hlinkClick r:id="rId8"/>
               </a:rPr>
-              <a:t>https://</a:t>
-            </a:r>
-            <a:r>
-              <a:rPr lang="en-US" dirty="0" smtClean="0">
-                <a:hlinkClick r:id="rId8"/>
-              </a:rPr>
-              <a:t>towardsdatascience.com/recurrent-neural-networks-d4642c9bc7ce</a:t>
+              <a:t>https://towardsdatascience.com/recurrent-neural-networks-d4642c9bc7ce</a:t>
             </a:r>
             <a:endParaRPr lang="sr-Latn-CS" dirty="0" smtClean="0"/>
           </a:p>
@@ -5223,13 +5106,7 @@
               <a:rPr lang="en-US" dirty="0" smtClean="0">
                 <a:hlinkClick r:id="rId9"/>
               </a:rPr>
-              <a:t>https://</a:t>
-            </a:r>
-            <a:r>
-              <a:rPr lang="en-US" dirty="0" smtClean="0">
-                <a:hlinkClick r:id="rId9"/>
-              </a:rPr>
-              <a:t>skymind.ai/wiki/lstm</a:t>
+              <a:t>https://skymind.ai/wiki/lstm</a:t>
             </a:r>
             <a:endParaRPr lang="sr-Latn-CS" dirty="0" smtClean="0"/>
           </a:p>
